--- a/Task19/RGMP_ROS.pptx
+++ b/Task19/RGMP_ROS.pptx
@@ -6,13 +6,12 @@
   </p:sldMasterIdLst>
   <p:sldIdLst>
     <p:sldId id="256" r:id="rId2"/>
-    <p:sldId id="257" r:id="rId3"/>
-    <p:sldId id="258" r:id="rId4"/>
-    <p:sldId id="259" r:id="rId5"/>
-    <p:sldId id="260" r:id="rId6"/>
-    <p:sldId id="261" r:id="rId7"/>
-    <p:sldId id="262" r:id="rId8"/>
-    <p:sldId id="263" r:id="rId9"/>
+    <p:sldId id="258" r:id="rId3"/>
+    <p:sldId id="259" r:id="rId4"/>
+    <p:sldId id="257" r:id="rId5"/>
+    <p:sldId id="261" r:id="rId6"/>
+    <p:sldId id="262" r:id="rId7"/>
+    <p:sldId id="263" r:id="rId8"/>
   </p:sldIdLst>
   <p:sldSz cx="12192000" cy="6858000"/>
   <p:notesSz cx="6858000" cy="9144000"/>
@@ -266,7 +265,7 @@
           <a:p>
             <a:fld id="{F75F3FB7-51AC-4580-ACAB-EB4C11A73646}" type="datetimeFigureOut">
               <a:rPr lang="zh-CN" altLang="en-US" smtClean="0"/>
-              <a:t>2024/9/4</a:t>
+              <a:t>2024/11/25</a:t>
             </a:fld>
             <a:endParaRPr lang="zh-CN" altLang="en-US"/>
           </a:p>
@@ -464,7 +463,7 @@
           <a:p>
             <a:fld id="{F75F3FB7-51AC-4580-ACAB-EB4C11A73646}" type="datetimeFigureOut">
               <a:rPr lang="zh-CN" altLang="en-US" smtClean="0"/>
-              <a:t>2024/9/4</a:t>
+              <a:t>2024/11/25</a:t>
             </a:fld>
             <a:endParaRPr lang="zh-CN" altLang="en-US"/>
           </a:p>
@@ -672,7 +671,7 @@
           <a:p>
             <a:fld id="{F75F3FB7-51AC-4580-ACAB-EB4C11A73646}" type="datetimeFigureOut">
               <a:rPr lang="zh-CN" altLang="en-US" smtClean="0"/>
-              <a:t>2024/9/4</a:t>
+              <a:t>2024/11/25</a:t>
             </a:fld>
             <a:endParaRPr lang="zh-CN" altLang="en-US"/>
           </a:p>
@@ -870,7 +869,7 @@
           <a:p>
             <a:fld id="{F75F3FB7-51AC-4580-ACAB-EB4C11A73646}" type="datetimeFigureOut">
               <a:rPr lang="zh-CN" altLang="en-US" smtClean="0"/>
-              <a:t>2024/9/4</a:t>
+              <a:t>2024/11/25</a:t>
             </a:fld>
             <a:endParaRPr lang="zh-CN" altLang="en-US"/>
           </a:p>
@@ -1145,7 +1144,7 @@
           <a:p>
             <a:fld id="{F75F3FB7-51AC-4580-ACAB-EB4C11A73646}" type="datetimeFigureOut">
               <a:rPr lang="zh-CN" altLang="en-US" smtClean="0"/>
-              <a:t>2024/9/4</a:t>
+              <a:t>2024/11/25</a:t>
             </a:fld>
             <a:endParaRPr lang="zh-CN" altLang="en-US"/>
           </a:p>
@@ -1410,7 +1409,7 @@
           <a:p>
             <a:fld id="{F75F3FB7-51AC-4580-ACAB-EB4C11A73646}" type="datetimeFigureOut">
               <a:rPr lang="zh-CN" altLang="en-US" smtClean="0"/>
-              <a:t>2024/9/4</a:t>
+              <a:t>2024/11/25</a:t>
             </a:fld>
             <a:endParaRPr lang="zh-CN" altLang="en-US"/>
           </a:p>
@@ -1822,7 +1821,7 @@
           <a:p>
             <a:fld id="{F75F3FB7-51AC-4580-ACAB-EB4C11A73646}" type="datetimeFigureOut">
               <a:rPr lang="zh-CN" altLang="en-US" smtClean="0"/>
-              <a:t>2024/9/4</a:t>
+              <a:t>2024/11/25</a:t>
             </a:fld>
             <a:endParaRPr lang="zh-CN" altLang="en-US"/>
           </a:p>
@@ -1963,7 +1962,7 @@
           <a:p>
             <a:fld id="{F75F3FB7-51AC-4580-ACAB-EB4C11A73646}" type="datetimeFigureOut">
               <a:rPr lang="zh-CN" altLang="en-US" smtClean="0"/>
-              <a:t>2024/9/4</a:t>
+              <a:t>2024/11/25</a:t>
             </a:fld>
             <a:endParaRPr lang="zh-CN" altLang="en-US"/>
           </a:p>
@@ -2076,7 +2075,7 @@
           <a:p>
             <a:fld id="{F75F3FB7-51AC-4580-ACAB-EB4C11A73646}" type="datetimeFigureOut">
               <a:rPr lang="zh-CN" altLang="en-US" smtClean="0"/>
-              <a:t>2024/9/4</a:t>
+              <a:t>2024/11/25</a:t>
             </a:fld>
             <a:endParaRPr lang="zh-CN" altLang="en-US"/>
           </a:p>
@@ -2387,7 +2386,7 @@
           <a:p>
             <a:fld id="{F75F3FB7-51AC-4580-ACAB-EB4C11A73646}" type="datetimeFigureOut">
               <a:rPr lang="zh-CN" altLang="en-US" smtClean="0"/>
-              <a:t>2024/9/4</a:t>
+              <a:t>2024/11/25</a:t>
             </a:fld>
             <a:endParaRPr lang="zh-CN" altLang="en-US"/>
           </a:p>
@@ -2675,7 +2674,7 @@
           <a:p>
             <a:fld id="{F75F3FB7-51AC-4580-ACAB-EB4C11A73646}" type="datetimeFigureOut">
               <a:rPr lang="zh-CN" altLang="en-US" smtClean="0"/>
-              <a:t>2024/9/4</a:t>
+              <a:t>2024/11/25</a:t>
             </a:fld>
             <a:endParaRPr lang="zh-CN" altLang="en-US"/>
           </a:p>
@@ -2916,7 +2915,7 @@
           <a:p>
             <a:fld id="{F75F3FB7-51AC-4580-ACAB-EB4C11A73646}" type="datetimeFigureOut">
               <a:rPr lang="zh-CN" altLang="en-US" smtClean="0"/>
-              <a:t>2024/9/4</a:t>
+              <a:t>2024/11/25</a:t>
             </a:fld>
             <a:endParaRPr lang="zh-CN" altLang="en-US"/>
           </a:p>
@@ -3349,7 +3348,12 @@
             <p:ph type="ctrTitle"/>
           </p:nvPr>
         </p:nvSpPr>
-        <p:spPr/>
+        <p:spPr>
+          <a:xfrm>
+            <a:off x="972938" y="1041400"/>
+            <a:ext cx="9144000" cy="2387600"/>
+          </a:xfrm>
+        </p:spPr>
         <p:txBody>
           <a:bodyPr>
             <a:noAutofit/>
@@ -3437,7 +3441,7 @@
           <p:cNvPr id="2" name="标题 1">
             <a:extLst>
               <a:ext uri="{FF2B5EF4-FFF2-40B4-BE49-F238E27FC236}">
-                <a16:creationId xmlns:a16="http://schemas.microsoft.com/office/drawing/2014/main" id="{721792CF-1195-2969-B9AD-C255269EDCC5}"/>
+                <a16:creationId xmlns:a16="http://schemas.microsoft.com/office/drawing/2014/main" id="{98CD18A6-00CB-9013-52A2-C398147A7AAA}"/>
               </a:ext>
             </a:extLst>
           </p:cNvPr>
@@ -3454,8 +3458,8 @@
           <a:lstStyle/>
           <a:p>
             <a:r>
-              <a:rPr lang="en-US" altLang="zh-CN" dirty="0" err="1"/>
-              <a:t>Nuttx</a:t>
+              <a:rPr lang="en-US" altLang="zh-CN" dirty="0"/>
+              <a:t>RGMP</a:t>
             </a:r>
             <a:endParaRPr lang="zh-CN" altLang="en-US" dirty="0"/>
           </a:p>
@@ -3466,7 +3470,7 @@
           <p:cNvPr id="5" name="图片 4">
             <a:extLst>
               <a:ext uri="{FF2B5EF4-FFF2-40B4-BE49-F238E27FC236}">
-                <a16:creationId xmlns:a16="http://schemas.microsoft.com/office/drawing/2014/main" id="{2033758A-B765-0C0C-188E-CDEDBCD97E23}"/>
+                <a16:creationId xmlns:a16="http://schemas.microsoft.com/office/drawing/2014/main" id="{EAB5666F-1BC3-9A53-7E9A-D456A5DC8032}"/>
               </a:ext>
             </a:extLst>
           </p:cNvPr>
@@ -3483,126 +3487,7 @@
         </p:blipFill>
         <p:spPr>
           <a:xfrm>
-            <a:off x="6170567" y="1520131"/>
-            <a:ext cx="5439534" cy="3391373"/>
-          </a:xfrm>
-          <a:prstGeom prst="rect">
-            <a:avLst/>
-          </a:prstGeom>
-        </p:spPr>
-      </p:pic>
-      <p:pic>
-        <p:nvPicPr>
-          <p:cNvPr id="7" name="图片 6">
-            <a:extLst>
-              <a:ext uri="{FF2B5EF4-FFF2-40B4-BE49-F238E27FC236}">
-                <a16:creationId xmlns:a16="http://schemas.microsoft.com/office/drawing/2014/main" id="{61CDC396-DB13-7F1C-F05D-F1FFD40FC98F}"/>
-              </a:ext>
-            </a:extLst>
-          </p:cNvPr>
-          <p:cNvPicPr>
-            <a:picLocks noChangeAspect="1"/>
-          </p:cNvPicPr>
-          <p:nvPr/>
-        </p:nvPicPr>
-        <p:blipFill>
-          <a:blip r:embed="rId3"/>
-          <a:stretch>
-            <a:fillRect/>
-          </a:stretch>
-        </p:blipFill>
-        <p:spPr>
-          <a:xfrm>
-            <a:off x="1080630" y="2315751"/>
-            <a:ext cx="4115360" cy="1800131"/>
-          </a:xfrm>
-          <a:prstGeom prst="rect">
-            <a:avLst/>
-          </a:prstGeom>
-        </p:spPr>
-      </p:pic>
-    </p:spTree>
-    <p:extLst>
-      <p:ext uri="{BB962C8B-B14F-4D97-AF65-F5344CB8AC3E}">
-        <p14:creationId xmlns:p14="http://schemas.microsoft.com/office/powerpoint/2010/main" val="67797717"/>
-      </p:ext>
-    </p:extLst>
-  </p:cSld>
-  <p:clrMapOvr>
-    <a:masterClrMapping/>
-  </p:clrMapOvr>
-</p:sld>
-</file>
-
-<file path=ppt/slides/slide3.xml><?xml version="1.0" encoding="utf-8"?>
-<p:sld xmlns:a="http://schemas.openxmlformats.org/drawingml/2006/main" xmlns:r="http://schemas.openxmlformats.org/officeDocument/2006/relationships" xmlns:p="http://schemas.openxmlformats.org/presentationml/2006/main">
-  <p:cSld>
-    <p:spTree>
-      <p:nvGrpSpPr>
-        <p:cNvPr id="1" name=""/>
-        <p:cNvGrpSpPr/>
-        <p:nvPr/>
-      </p:nvGrpSpPr>
-      <p:grpSpPr>
-        <a:xfrm>
-          <a:off x="0" y="0"/>
-          <a:ext cx="0" cy="0"/>
-          <a:chOff x="0" y="0"/>
-          <a:chExt cx="0" cy="0"/>
-        </a:xfrm>
-      </p:grpSpPr>
-      <p:sp>
-        <p:nvSpPr>
-          <p:cNvPr id="2" name="标题 1">
-            <a:extLst>
-              <a:ext uri="{FF2B5EF4-FFF2-40B4-BE49-F238E27FC236}">
-                <a16:creationId xmlns:a16="http://schemas.microsoft.com/office/drawing/2014/main" id="{98CD18A6-00CB-9013-52A2-C398147A7AAA}"/>
-              </a:ext>
-            </a:extLst>
-          </p:cNvPr>
-          <p:cNvSpPr>
-            <a:spLocks noGrp="1"/>
-          </p:cNvSpPr>
-          <p:nvPr>
-            <p:ph type="title"/>
-          </p:nvPr>
-        </p:nvSpPr>
-        <p:spPr/>
-        <p:txBody>
-          <a:bodyPr/>
-          <a:lstStyle/>
-          <a:p>
-            <a:r>
-              <a:rPr lang="en-US" altLang="zh-CN" dirty="0"/>
-              <a:t>RGMP</a:t>
-            </a:r>
-            <a:endParaRPr lang="zh-CN" altLang="en-US" dirty="0"/>
-          </a:p>
-        </p:txBody>
-      </p:sp>
-      <p:pic>
-        <p:nvPicPr>
-          <p:cNvPr id="5" name="图片 4">
-            <a:extLst>
-              <a:ext uri="{FF2B5EF4-FFF2-40B4-BE49-F238E27FC236}">
-                <a16:creationId xmlns:a16="http://schemas.microsoft.com/office/drawing/2014/main" id="{EAB5666F-1BC3-9A53-7E9A-D456A5DC8032}"/>
-              </a:ext>
-            </a:extLst>
-          </p:cNvPr>
-          <p:cNvPicPr>
-            <a:picLocks noChangeAspect="1"/>
-          </p:cNvPicPr>
-          <p:nvPr/>
-        </p:nvPicPr>
-        <p:blipFill>
-          <a:blip r:embed="rId2"/>
-          <a:stretch>
-            <a:fillRect/>
-          </a:stretch>
-        </p:blipFill>
-        <p:spPr>
-          <a:xfrm>
-            <a:off x="6324859" y="3989325"/>
+            <a:off x="2719001" y="1690688"/>
             <a:ext cx="5534797" cy="2276793"/>
           </a:xfrm>
           <a:prstGeom prst="rect">
@@ -3610,66 +3495,176 @@
           </a:prstGeom>
         </p:spPr>
       </p:pic>
-      <p:pic>
-        <p:nvPicPr>
-          <p:cNvPr id="7" name="图片 6">
-            <a:extLst>
-              <a:ext uri="{FF2B5EF4-FFF2-40B4-BE49-F238E27FC236}">
-                <a16:creationId xmlns:a16="http://schemas.microsoft.com/office/drawing/2014/main" id="{0086CA29-9405-4873-BF55-91FB2F3209BE}"/>
-              </a:ext>
-            </a:extLst>
-          </p:cNvPr>
-          <p:cNvPicPr>
-            <a:picLocks noChangeAspect="1"/>
-          </p:cNvPicPr>
+      <p:sp>
+        <p:nvSpPr>
+          <p:cNvPr id="4" name="文本框 3">
+            <a:extLst>
+              <a:ext uri="{FF2B5EF4-FFF2-40B4-BE49-F238E27FC236}">
+                <a16:creationId xmlns:a16="http://schemas.microsoft.com/office/drawing/2014/main" id="{C8142DEA-705D-42EB-8641-9D6CA3E05E68}"/>
+              </a:ext>
+            </a:extLst>
+          </p:cNvPr>
+          <p:cNvSpPr txBox="1"/>
           <p:nvPr/>
-        </p:nvPicPr>
-        <p:blipFill>
-          <a:blip r:embed="rId3"/>
-          <a:stretch>
-            <a:fillRect/>
-          </a:stretch>
-        </p:blipFill>
+        </p:nvSpPr>
         <p:spPr>
           <a:xfrm>
-            <a:off x="872642" y="1548749"/>
-            <a:ext cx="5768790" cy="1628048"/>
+            <a:off x="711200" y="4567147"/>
+            <a:ext cx="6096000" cy="1200329"/>
           </a:xfrm>
           <a:prstGeom prst="rect">
             <a:avLst/>
           </a:prstGeom>
+          <a:noFill/>
         </p:spPr>
-      </p:pic>
-      <p:pic>
-        <p:nvPicPr>
-          <p:cNvPr id="9" name="图片 8">
-            <a:extLst>
-              <a:ext uri="{FF2B5EF4-FFF2-40B4-BE49-F238E27FC236}">
-                <a16:creationId xmlns:a16="http://schemas.microsoft.com/office/drawing/2014/main" id="{A2B8816E-7F63-5388-6068-EF6E16DA0538}"/>
-              </a:ext>
-            </a:extLst>
-          </p:cNvPr>
-          <p:cNvPicPr>
-            <a:picLocks noChangeAspect="1"/>
-          </p:cNvPicPr>
+        <p:txBody>
+          <a:bodyPr wrap="square">
+            <a:spAutoFit/>
+          </a:bodyPr>
+          <a:lstStyle/>
+          <a:p>
+            <a:r>
+              <a:rPr lang="zh-CN" altLang="en-US" dirty="0"/>
+              <a:t>它可用于在具有多核处理器的控制器中同时运行两个操作系统。一个是</a:t>
+            </a:r>
+            <a:r>
+              <a:rPr lang="en-US" altLang="zh-CN" dirty="0"/>
+              <a:t>Linux</a:t>
+            </a:r>
+            <a:r>
+              <a:rPr lang="zh-CN" altLang="en-US" dirty="0"/>
+              <a:t>基础的通用操作系统（</a:t>
+            </a:r>
+            <a:r>
+              <a:rPr lang="en-US" altLang="zh-CN" dirty="0"/>
+              <a:t>GPOS</a:t>
+            </a:r>
+            <a:r>
+              <a:rPr lang="zh-CN" altLang="en-US" dirty="0"/>
+              <a:t>），另一个是实时操作系统（</a:t>
+            </a:r>
+            <a:r>
+              <a:rPr lang="en-US" altLang="zh-CN" dirty="0"/>
+              <a:t>RTOS</a:t>
+            </a:r>
+            <a:r>
+              <a:rPr lang="zh-CN" altLang="en-US" dirty="0"/>
+              <a:t>）。</a:t>
+            </a:r>
+            <a:r>
+              <a:rPr lang="en-US" altLang="zh-CN" dirty="0"/>
+              <a:t>GPOS</a:t>
+            </a:r>
+            <a:r>
+              <a:rPr lang="zh-CN" altLang="en-US" dirty="0"/>
+              <a:t>和</a:t>
+            </a:r>
+            <a:r>
+              <a:rPr lang="en-US" altLang="zh-CN" dirty="0"/>
+              <a:t>RTOS</a:t>
+            </a:r>
+            <a:r>
+              <a:rPr lang="zh-CN" altLang="en-US" dirty="0"/>
+              <a:t>分别占据不同的</a:t>
+            </a:r>
+            <a:r>
+              <a:rPr lang="en-US" altLang="zh-CN" dirty="0"/>
+              <a:t>CPU</a:t>
+            </a:r>
+            <a:r>
+              <a:rPr lang="zh-CN" altLang="en-US" dirty="0"/>
+              <a:t>，并通过</a:t>
+            </a:r>
+            <a:r>
+              <a:rPr lang="en-US" altLang="zh-CN" dirty="0"/>
+              <a:t>VNET</a:t>
+            </a:r>
+            <a:r>
+              <a:rPr lang="zh-CN" altLang="en-US" dirty="0"/>
+              <a:t>通道相互通信。</a:t>
+            </a:r>
+          </a:p>
+        </p:txBody>
+      </p:sp>
+      <p:sp>
+        <p:nvSpPr>
+          <p:cNvPr id="6" name="文本框 5">
+            <a:extLst>
+              <a:ext uri="{FF2B5EF4-FFF2-40B4-BE49-F238E27FC236}">
+                <a16:creationId xmlns:a16="http://schemas.microsoft.com/office/drawing/2014/main" id="{6078E8FD-BBCA-5254-4205-4FE3FFD05B42}"/>
+              </a:ext>
+            </a:extLst>
+          </p:cNvPr>
+          <p:cNvSpPr txBox="1"/>
           <p:nvPr/>
-        </p:nvPicPr>
-        <p:blipFill>
-          <a:blip r:embed="rId4"/>
-          <a:stretch>
-            <a:fillRect/>
-          </a:stretch>
-        </p:blipFill>
+        </p:nvSpPr>
         <p:spPr>
-          <a:xfrm>
-            <a:off x="953514" y="3176797"/>
-            <a:ext cx="5290473" cy="1874010"/>
+          <a:xfrm flipH="1">
+            <a:off x="7627618" y="4567147"/>
+            <a:ext cx="4316731" cy="1200329"/>
           </a:xfrm>
           <a:prstGeom prst="rect">
             <a:avLst/>
           </a:prstGeom>
+          <a:noFill/>
         </p:spPr>
-      </p:pic>
+        <p:txBody>
+          <a:bodyPr wrap="square" rtlCol="0">
+            <a:spAutoFit/>
+          </a:bodyPr>
+          <a:lstStyle/>
+          <a:p>
+            <a:r>
+              <a:rPr lang="en-US" altLang="zh-CN" dirty="0"/>
+              <a:t>RGMP</a:t>
+            </a:r>
+            <a:r>
+              <a:rPr lang="zh-CN" altLang="en-US" dirty="0"/>
+              <a:t>功能</a:t>
+            </a:r>
+            <a:r>
+              <a:rPr lang="en-US" altLang="zh-CN" dirty="0"/>
+              <a:t>:</a:t>
+            </a:r>
+          </a:p>
+          <a:p>
+            <a:r>
+              <a:rPr lang="zh-CN" altLang="en-US" dirty="0"/>
+              <a:t>启动整个系统</a:t>
+            </a:r>
+            <a:endParaRPr lang="en-US" altLang="zh-CN" dirty="0"/>
+          </a:p>
+          <a:p>
+            <a:r>
+              <a:rPr lang="zh-CN" altLang="en-US" dirty="0"/>
+              <a:t>实现</a:t>
+            </a:r>
+            <a:r>
+              <a:rPr lang="en-US" altLang="zh-CN" dirty="0"/>
+              <a:t>GPOS</a:t>
+            </a:r>
+            <a:r>
+              <a:rPr lang="zh-CN" altLang="en-US" dirty="0"/>
+              <a:t>和</a:t>
+            </a:r>
+            <a:r>
+              <a:rPr lang="en-US" altLang="zh-CN" dirty="0"/>
+              <a:t>RTOS</a:t>
+            </a:r>
+            <a:r>
+              <a:rPr lang="zh-CN" altLang="en-US" dirty="0"/>
+              <a:t>的通信</a:t>
+            </a:r>
+            <a:endParaRPr lang="en-US" altLang="zh-CN" dirty="0"/>
+          </a:p>
+          <a:p>
+            <a:r>
+              <a:rPr lang="zh-CN" altLang="en-US" dirty="0"/>
+              <a:t>提供编程的接口函数</a:t>
+            </a:r>
+          </a:p>
+        </p:txBody>
+      </p:sp>
     </p:spTree>
     <p:extLst>
       <p:ext uri="{BB962C8B-B14F-4D97-AF65-F5344CB8AC3E}">
@@ -3683,7 +3678,7 @@
 </p:sld>
 </file>
 
-<file path=ppt/slides/slide4.xml><?xml version="1.0" encoding="utf-8"?>
+<file path=ppt/slides/slide3.xml><?xml version="1.0" encoding="utf-8"?>
 <p:sld xmlns:a="http://schemas.openxmlformats.org/drawingml/2006/main" xmlns:r="http://schemas.openxmlformats.org/officeDocument/2006/relationships" xmlns:p="http://schemas.openxmlformats.org/presentationml/2006/main">
   <p:cSld>
     <p:spTree>
@@ -3805,6 +3800,278 @@
 </p:sld>
 </file>
 
+<file path=ppt/slides/slide4.xml><?xml version="1.0" encoding="utf-8"?>
+<p:sld xmlns:a="http://schemas.openxmlformats.org/drawingml/2006/main" xmlns:r="http://schemas.openxmlformats.org/officeDocument/2006/relationships" xmlns:p="http://schemas.openxmlformats.org/presentationml/2006/main">
+  <p:cSld>
+    <p:spTree>
+      <p:nvGrpSpPr>
+        <p:cNvPr id="1" name=""/>
+        <p:cNvGrpSpPr/>
+        <p:nvPr/>
+      </p:nvGrpSpPr>
+      <p:grpSpPr>
+        <a:xfrm>
+          <a:off x="0" y="0"/>
+          <a:ext cx="0" cy="0"/>
+          <a:chOff x="0" y="0"/>
+          <a:chExt cx="0" cy="0"/>
+        </a:xfrm>
+      </p:grpSpPr>
+      <p:sp>
+        <p:nvSpPr>
+          <p:cNvPr id="2" name="标题 1">
+            <a:extLst>
+              <a:ext uri="{FF2B5EF4-FFF2-40B4-BE49-F238E27FC236}">
+                <a16:creationId xmlns:a16="http://schemas.microsoft.com/office/drawing/2014/main" id="{721792CF-1195-2969-B9AD-C255269EDCC5}"/>
+              </a:ext>
+            </a:extLst>
+          </p:cNvPr>
+          <p:cNvSpPr>
+            <a:spLocks noGrp="1"/>
+          </p:cNvSpPr>
+          <p:nvPr>
+            <p:ph type="title"/>
+          </p:nvPr>
+        </p:nvSpPr>
+        <p:spPr/>
+        <p:txBody>
+          <a:bodyPr/>
+          <a:lstStyle/>
+          <a:p>
+            <a:r>
+              <a:rPr lang="en-US" altLang="zh-CN" dirty="0" err="1"/>
+              <a:t>Nuttx</a:t>
+            </a:r>
+            <a:endParaRPr lang="zh-CN" altLang="en-US" dirty="0"/>
+          </a:p>
+        </p:txBody>
+      </p:sp>
+      <p:sp>
+        <p:nvSpPr>
+          <p:cNvPr id="3" name="文本框 2">
+            <a:extLst>
+              <a:ext uri="{FF2B5EF4-FFF2-40B4-BE49-F238E27FC236}">
+                <a16:creationId xmlns:a16="http://schemas.microsoft.com/office/drawing/2014/main" id="{D139818C-72F1-273E-E4B3-D6D6DA14158F}"/>
+              </a:ext>
+            </a:extLst>
+          </p:cNvPr>
+          <p:cNvSpPr txBox="1"/>
+          <p:nvPr/>
+        </p:nvSpPr>
+        <p:spPr>
+          <a:xfrm>
+            <a:off x="732731" y="2165256"/>
+            <a:ext cx="9763819" cy="646331"/>
+          </a:xfrm>
+          <a:prstGeom prst="rect">
+            <a:avLst/>
+          </a:prstGeom>
+          <a:noFill/>
+        </p:spPr>
+        <p:txBody>
+          <a:bodyPr wrap="square" rtlCol="0">
+            <a:spAutoFit/>
+          </a:bodyPr>
+          <a:lstStyle/>
+          <a:p>
+            <a:r>
+              <a:rPr lang="en-US" altLang="zh-CN" dirty="0" err="1"/>
+              <a:t>Nuttx</a:t>
+            </a:r>
+            <a:r>
+              <a:rPr lang="zh-CN" altLang="en-US" dirty="0"/>
+              <a:t>是一个开源的嵌入式实时操作系统（</a:t>
+            </a:r>
+            <a:r>
+              <a:rPr lang="en-US" altLang="zh-CN" dirty="0"/>
+              <a:t>RTOS</a:t>
+            </a:r>
+            <a:r>
+              <a:rPr lang="zh-CN" altLang="en-US" dirty="0"/>
+              <a:t>），由</a:t>
+            </a:r>
+            <a:r>
+              <a:rPr lang="en-US" altLang="zh-CN" dirty="0"/>
+              <a:t>Gregory Nutt</a:t>
+            </a:r>
+            <a:r>
+              <a:rPr lang="zh-CN" altLang="en-US" dirty="0"/>
+              <a:t>于</a:t>
+            </a:r>
+            <a:r>
+              <a:rPr lang="en-US" altLang="zh-CN" dirty="0"/>
+              <a:t>2007</a:t>
+            </a:r>
+            <a:r>
+              <a:rPr lang="zh-CN" altLang="en-US" dirty="0"/>
+              <a:t>年首次发布。</a:t>
+            </a:r>
+            <a:r>
+              <a:rPr lang="en-US" altLang="zh-CN" dirty="0" err="1"/>
+              <a:t>Nuttx</a:t>
+            </a:r>
+            <a:r>
+              <a:rPr lang="zh-CN" altLang="en-US" dirty="0"/>
+              <a:t>支持</a:t>
+            </a:r>
+            <a:r>
+              <a:rPr lang="en-US" altLang="zh-CN" dirty="0" err="1"/>
+              <a:t>Posix</a:t>
+            </a:r>
+            <a:r>
+              <a:rPr lang="zh-CN" altLang="en-US" dirty="0"/>
+              <a:t>和</a:t>
+            </a:r>
+            <a:r>
+              <a:rPr lang="en-US" altLang="zh-CN" dirty="0"/>
+              <a:t>ANSI</a:t>
+            </a:r>
+            <a:r>
+              <a:rPr lang="zh-CN" altLang="en-US" dirty="0"/>
+              <a:t>标准，可以应用于从</a:t>
+            </a:r>
+            <a:r>
+              <a:rPr lang="en-US" altLang="zh-CN" dirty="0"/>
+              <a:t>8</a:t>
+            </a:r>
+            <a:r>
+              <a:rPr lang="zh-CN" altLang="en-US" dirty="0"/>
+              <a:t>位到</a:t>
+            </a:r>
+            <a:r>
+              <a:rPr lang="en-US" altLang="zh-CN" dirty="0"/>
+              <a:t>32</a:t>
+            </a:r>
+            <a:r>
+              <a:rPr lang="zh-CN" altLang="en-US" dirty="0"/>
+              <a:t>位的微控制器。</a:t>
+            </a:r>
+          </a:p>
+        </p:txBody>
+      </p:sp>
+      <p:sp>
+        <p:nvSpPr>
+          <p:cNvPr id="4" name="文本框 3">
+            <a:extLst>
+              <a:ext uri="{FF2B5EF4-FFF2-40B4-BE49-F238E27FC236}">
+                <a16:creationId xmlns:a16="http://schemas.microsoft.com/office/drawing/2014/main" id="{5E572BA2-34BC-AC63-5FC9-7CD6BEA550C2}"/>
+              </a:ext>
+            </a:extLst>
+          </p:cNvPr>
+          <p:cNvSpPr txBox="1"/>
+          <p:nvPr/>
+        </p:nvSpPr>
+        <p:spPr>
+          <a:xfrm>
+            <a:off x="789881" y="3429000"/>
+            <a:ext cx="9763819" cy="1065613"/>
+          </a:xfrm>
+          <a:prstGeom prst="rect">
+            <a:avLst/>
+          </a:prstGeom>
+          <a:noFill/>
+        </p:spPr>
+        <p:txBody>
+          <a:bodyPr wrap="square" rtlCol="0">
+            <a:spAutoFit/>
+          </a:bodyPr>
+          <a:lstStyle/>
+          <a:p>
+            <a:r>
+              <a:rPr lang="zh-CN" altLang="en-US" dirty="0"/>
+              <a:t>特点</a:t>
+            </a:r>
+            <a:r>
+              <a:rPr lang="en-US" altLang="zh-CN" dirty="0"/>
+              <a:t>:</a:t>
+            </a:r>
+          </a:p>
+          <a:p>
+            <a:pPr marL="342900" indent="-342900" algn="l">
+              <a:lnSpc>
+                <a:spcPts val="1800"/>
+              </a:lnSpc>
+              <a:buAutoNum type="arabicParenBoth"/>
+            </a:pPr>
+            <a:r>
+              <a:rPr lang="zh-CN" altLang="en-US" b="0" i="0" dirty="0">
+                <a:solidFill>
+                  <a:srgbClr val="060607"/>
+                </a:solidFill>
+                <a:effectLst/>
+                <a:latin typeface="-apple-system"/>
+              </a:rPr>
+              <a:t>实际系统服务 </a:t>
+            </a:r>
+            <a:endParaRPr lang="en-US" altLang="zh-CN" b="0" i="0" dirty="0">
+              <a:solidFill>
+                <a:srgbClr val="060607"/>
+              </a:solidFill>
+              <a:effectLst/>
+              <a:latin typeface="-apple-system"/>
+            </a:endParaRPr>
+          </a:p>
+          <a:p>
+            <a:pPr marL="342900" indent="-342900" algn="l">
+              <a:lnSpc>
+                <a:spcPts val="1800"/>
+              </a:lnSpc>
+              <a:buAutoNum type="arabicParenBoth"/>
+            </a:pPr>
+            <a:r>
+              <a:rPr lang="zh-CN" altLang="en-US" b="0" i="0" dirty="0">
+                <a:solidFill>
+                  <a:srgbClr val="060607"/>
+                </a:solidFill>
+                <a:effectLst/>
+                <a:latin typeface="-apple-system"/>
+              </a:rPr>
+              <a:t>小内存占用</a:t>
+            </a:r>
+          </a:p>
+          <a:p>
+            <a:pPr algn="l">
+              <a:lnSpc>
+                <a:spcPts val="1800"/>
+              </a:lnSpc>
+            </a:pPr>
+            <a:r>
+              <a:rPr lang="en-US" altLang="zh-CN" b="0" i="0" dirty="0">
+                <a:solidFill>
+                  <a:srgbClr val="060607"/>
+                </a:solidFill>
+                <a:effectLst/>
+                <a:latin typeface="-apple-system"/>
+              </a:rPr>
+              <a:t>(3) </a:t>
+            </a:r>
+            <a:r>
+              <a:rPr lang="zh-CN" altLang="en-US" b="0" i="0" dirty="0">
+                <a:solidFill>
+                  <a:srgbClr val="060607"/>
+                </a:solidFill>
+                <a:effectLst/>
+                <a:latin typeface="-apple-system"/>
+              </a:rPr>
+              <a:t>易于扩展</a:t>
+            </a:r>
+            <a:endParaRPr lang="en-US" altLang="zh-CN" dirty="0"/>
+          </a:p>
+        </p:txBody>
+      </p:sp>
+    </p:spTree>
+    <p:extLst>
+      <p:ext uri="{BB962C8B-B14F-4D97-AF65-F5344CB8AC3E}">
+        <p14:creationId xmlns:p14="http://schemas.microsoft.com/office/powerpoint/2010/main" val="67797717"/>
+      </p:ext>
+    </p:extLst>
+  </p:cSld>
+  <p:clrMapOvr>
+    <a:masterClrMapping/>
+  </p:clrMapOvr>
+</p:sld>
+</file>
+
 <file path=ppt/slides/slide5.xml><?xml version="1.0" encoding="utf-8"?>
 <p:sld xmlns:a="http://schemas.openxmlformats.org/drawingml/2006/main" xmlns:r="http://schemas.openxmlformats.org/officeDocument/2006/relationships" xmlns:p="http://schemas.openxmlformats.org/presentationml/2006/main">
   <p:cSld>
@@ -3827,7 +4094,7 @@
           <p:cNvPr id="2" name="标题 1">
             <a:extLst>
               <a:ext uri="{FF2B5EF4-FFF2-40B4-BE49-F238E27FC236}">
-                <a16:creationId xmlns:a16="http://schemas.microsoft.com/office/drawing/2014/main" id="{B61BDB24-D93D-BFDB-FF3E-9971EA9E52FB}"/>
+                <a16:creationId xmlns:a16="http://schemas.microsoft.com/office/drawing/2014/main" id="{148A3248-61AD-4FB9-54F8-0E9E0CE5EB21}"/>
               </a:ext>
             </a:extLst>
           </p:cNvPr>
@@ -3845,7 +4112,7 @@
           <a:p>
             <a:r>
               <a:rPr lang="zh-CN" altLang="en-US" dirty="0"/>
-              <a:t>实现细节</a:t>
+              <a:t>测试</a:t>
             </a:r>
           </a:p>
         </p:txBody>
@@ -3855,7 +4122,7 @@
           <p:cNvPr id="5" name="图片 4">
             <a:extLst>
               <a:ext uri="{FF2B5EF4-FFF2-40B4-BE49-F238E27FC236}">
-                <a16:creationId xmlns:a16="http://schemas.microsoft.com/office/drawing/2014/main" id="{B34E8912-6077-4673-65CA-892360B4CAA2}"/>
+                <a16:creationId xmlns:a16="http://schemas.microsoft.com/office/drawing/2014/main" id="{46A9C30A-4E13-25F9-A069-D87ECB0C62D1}"/>
               </a:ext>
             </a:extLst>
           </p:cNvPr>
@@ -3872,8 +4139,8 @@
         </p:blipFill>
         <p:spPr>
           <a:xfrm>
-            <a:off x="1157380" y="1431539"/>
-            <a:ext cx="4315427" cy="1733792"/>
+            <a:off x="7629005" y="671127"/>
+            <a:ext cx="3724795" cy="5515745"/>
           </a:xfrm>
           <a:prstGeom prst="rect">
             <a:avLst/>
@@ -3885,7 +4152,7 @@
           <p:cNvPr id="7" name="图片 6">
             <a:extLst>
               <a:ext uri="{FF2B5EF4-FFF2-40B4-BE49-F238E27FC236}">
-                <a16:creationId xmlns:a16="http://schemas.microsoft.com/office/drawing/2014/main" id="{956E28BF-5B8B-427E-08BB-9D86A93E8857}"/>
+                <a16:creationId xmlns:a16="http://schemas.microsoft.com/office/drawing/2014/main" id="{E5C787A9-3B86-B1DD-3A1D-8BA46A7958E5}"/>
               </a:ext>
             </a:extLst>
           </p:cNvPr>
@@ -3902,8 +4169,8 @@
         </p:blipFill>
         <p:spPr>
           <a:xfrm>
-            <a:off x="6217525" y="2298435"/>
-            <a:ext cx="5307180" cy="2621185"/>
+            <a:off x="674593" y="1581816"/>
+            <a:ext cx="6506483" cy="1714739"/>
           </a:xfrm>
           <a:prstGeom prst="rect">
             <a:avLst/>
@@ -3915,7 +4182,7 @@
           <p:cNvPr id="9" name="图片 8">
             <a:extLst>
               <a:ext uri="{FF2B5EF4-FFF2-40B4-BE49-F238E27FC236}">
-                <a16:creationId xmlns:a16="http://schemas.microsoft.com/office/drawing/2014/main" id="{20E2D7D9-F439-2063-98DB-CEF3E2C20B34}"/>
+                <a16:creationId xmlns:a16="http://schemas.microsoft.com/office/drawing/2014/main" id="{4A904828-D462-DD7A-7316-6341AE0F0DD0}"/>
               </a:ext>
             </a:extLst>
           </p:cNvPr>
@@ -3932,8 +4199,8 @@
         </p:blipFill>
         <p:spPr>
           <a:xfrm>
-            <a:off x="1844940" y="3165331"/>
-            <a:ext cx="4372585" cy="3019846"/>
+            <a:off x="674593" y="3428999"/>
+            <a:ext cx="6134956" cy="2667372"/>
           </a:xfrm>
           <a:prstGeom prst="rect">
             <a:avLst/>
@@ -3943,7 +4210,7 @@
     </p:spTree>
     <p:extLst>
       <p:ext uri="{BB962C8B-B14F-4D97-AF65-F5344CB8AC3E}">
-        <p14:creationId xmlns:p14="http://schemas.microsoft.com/office/powerpoint/2010/main" val="2497987346"/>
+        <p14:creationId xmlns:p14="http://schemas.microsoft.com/office/powerpoint/2010/main" val="1743137877"/>
       </p:ext>
     </p:extLst>
   </p:cSld>
@@ -3975,7 +4242,7 @@
           <p:cNvPr id="2" name="标题 1">
             <a:extLst>
               <a:ext uri="{FF2B5EF4-FFF2-40B4-BE49-F238E27FC236}">
-                <a16:creationId xmlns:a16="http://schemas.microsoft.com/office/drawing/2014/main" id="{148A3248-61AD-4FB9-54F8-0E9E0CE5EB21}"/>
+                <a16:creationId xmlns:a16="http://schemas.microsoft.com/office/drawing/2014/main" id="{139CB0EE-16F1-77E8-99C5-DD5F21D6E38A}"/>
               </a:ext>
             </a:extLst>
           </p:cNvPr>
@@ -3995,6 +4262,11 @@
               <a:rPr lang="zh-CN" altLang="en-US" dirty="0"/>
               <a:t>测试</a:t>
             </a:r>
+            <a:r>
+              <a:rPr lang="en-US" altLang="zh-CN" dirty="0"/>
+              <a:t>2</a:t>
+            </a:r>
+            <a:endParaRPr lang="zh-CN" altLang="en-US" dirty="0"/>
           </a:p>
         </p:txBody>
       </p:sp>
@@ -4003,7 +4275,7 @@
           <p:cNvPr id="5" name="图片 4">
             <a:extLst>
               <a:ext uri="{FF2B5EF4-FFF2-40B4-BE49-F238E27FC236}">
-                <a16:creationId xmlns:a16="http://schemas.microsoft.com/office/drawing/2014/main" id="{46A9C30A-4E13-25F9-A069-D87ECB0C62D1}"/>
+                <a16:creationId xmlns:a16="http://schemas.microsoft.com/office/drawing/2014/main" id="{C91B60E0-90C7-5AC6-CBC0-4D986BDD01AD}"/>
               </a:ext>
             </a:extLst>
           </p:cNvPr>
@@ -4020,8 +4292,8 @@
         </p:blipFill>
         <p:spPr>
           <a:xfrm>
-            <a:off x="7629005" y="671127"/>
-            <a:ext cx="3724795" cy="5515745"/>
+            <a:off x="6182471" y="1413463"/>
+            <a:ext cx="5782482" cy="2953162"/>
           </a:xfrm>
           <a:prstGeom prst="rect">
             <a:avLst/>
@@ -4033,7 +4305,7 @@
           <p:cNvPr id="7" name="图片 6">
             <a:extLst>
               <a:ext uri="{FF2B5EF4-FFF2-40B4-BE49-F238E27FC236}">
-                <a16:creationId xmlns:a16="http://schemas.microsoft.com/office/drawing/2014/main" id="{E5C787A9-3B86-B1DD-3A1D-8BA46A7958E5}"/>
+                <a16:creationId xmlns:a16="http://schemas.microsoft.com/office/drawing/2014/main" id="{86E0EA15-E9CF-B7E9-F43F-1B87DC34A68E}"/>
               </a:ext>
             </a:extLst>
           </p:cNvPr>
@@ -4050,8 +4322,8 @@
         </p:blipFill>
         <p:spPr>
           <a:xfrm>
-            <a:off x="674593" y="1581816"/>
-            <a:ext cx="6506483" cy="1714739"/>
+            <a:off x="560429" y="1390854"/>
+            <a:ext cx="5344271" cy="1724266"/>
           </a:xfrm>
           <a:prstGeom prst="rect">
             <a:avLst/>
@@ -4063,7 +4335,7 @@
           <p:cNvPr id="9" name="图片 8">
             <a:extLst>
               <a:ext uri="{FF2B5EF4-FFF2-40B4-BE49-F238E27FC236}">
-                <a16:creationId xmlns:a16="http://schemas.microsoft.com/office/drawing/2014/main" id="{4A904828-D462-DD7A-7316-6341AE0F0DD0}"/>
+                <a16:creationId xmlns:a16="http://schemas.microsoft.com/office/drawing/2014/main" id="{97E4C990-7C90-98DC-9EE4-DA46A3064621}"/>
               </a:ext>
             </a:extLst>
           </p:cNvPr>
@@ -4080,8 +4352,8 @@
         </p:blipFill>
         <p:spPr>
           <a:xfrm>
-            <a:off x="674593" y="3428999"/>
-            <a:ext cx="6134956" cy="2667372"/>
+            <a:off x="508034" y="3177296"/>
+            <a:ext cx="5449060" cy="2067213"/>
           </a:xfrm>
           <a:prstGeom prst="rect">
             <a:avLst/>
@@ -4093,7 +4365,7 @@
           <p:cNvPr id="11" name="图片 10">
             <a:extLst>
               <a:ext uri="{FF2B5EF4-FFF2-40B4-BE49-F238E27FC236}">
-                <a16:creationId xmlns:a16="http://schemas.microsoft.com/office/drawing/2014/main" id="{57E426CE-BEEF-96E3-FB66-A83E1D7FE6DD}"/>
+                <a16:creationId xmlns:a16="http://schemas.microsoft.com/office/drawing/2014/main" id="{B300BD1F-C194-7345-59E0-F2B4150B7109}"/>
               </a:ext>
             </a:extLst>
           </p:cNvPr>
@@ -4110,8 +4382,8 @@
         </p:blipFill>
         <p:spPr>
           <a:xfrm>
-            <a:off x="1310142" y="2686067"/>
-            <a:ext cx="7554379" cy="2505425"/>
+            <a:off x="382260" y="5200419"/>
+            <a:ext cx="7754432" cy="1657581"/>
           </a:xfrm>
           <a:prstGeom prst="rect">
             <a:avLst/>
@@ -4121,7 +4393,7 @@
     </p:spTree>
     <p:extLst>
       <p:ext uri="{BB962C8B-B14F-4D97-AF65-F5344CB8AC3E}">
-        <p14:creationId xmlns:p14="http://schemas.microsoft.com/office/powerpoint/2010/main" val="1743137877"/>
+        <p14:creationId xmlns:p14="http://schemas.microsoft.com/office/powerpoint/2010/main" val="251871419"/>
       </p:ext>
     </p:extLst>
   </p:cSld>
@@ -4153,7 +4425,7 @@
           <p:cNvPr id="2" name="标题 1">
             <a:extLst>
               <a:ext uri="{FF2B5EF4-FFF2-40B4-BE49-F238E27FC236}">
-                <a16:creationId xmlns:a16="http://schemas.microsoft.com/office/drawing/2014/main" id="{139CB0EE-16F1-77E8-99C5-DD5F21D6E38A}"/>
+                <a16:creationId xmlns:a16="http://schemas.microsoft.com/office/drawing/2014/main" id="{41E95127-82B6-0352-7B72-745D5F54D124}"/>
               </a:ext>
             </a:extLst>
           </p:cNvPr>
@@ -4171,38 +4443,8 @@
           <a:p>
             <a:r>
               <a:rPr lang="zh-CN" altLang="en-US" dirty="0"/>
-              <a:t>测试</a:t>
-            </a:r>
-            <a:r>
-              <a:rPr lang="en-US" altLang="zh-CN" dirty="0"/>
-              <a:t>2</a:t>
-            </a:r>
-            <a:endParaRPr lang="zh-CN" altLang="en-US" dirty="0"/>
-          </a:p>
-        </p:txBody>
-      </p:sp>
-      <p:sp>
-        <p:nvSpPr>
-          <p:cNvPr id="3" name="内容占位符 2">
-            <a:extLst>
-              <a:ext uri="{FF2B5EF4-FFF2-40B4-BE49-F238E27FC236}">
-                <a16:creationId xmlns:a16="http://schemas.microsoft.com/office/drawing/2014/main" id="{ABDC37B8-6C10-8358-7118-4165EB2DF7DB}"/>
-              </a:ext>
-            </a:extLst>
-          </p:cNvPr>
-          <p:cNvSpPr>
-            <a:spLocks noGrp="1"/>
-          </p:cNvSpPr>
-          <p:nvPr>
-            <p:ph idx="1"/>
-          </p:nvPr>
-        </p:nvSpPr>
-        <p:spPr/>
-        <p:txBody>
-          <a:bodyPr/>
-          <a:lstStyle/>
-          <a:p>
-            <a:endParaRPr lang="zh-CN" altLang="en-US"/>
+              <a:t>实验</a:t>
+            </a:r>
           </a:p>
         </p:txBody>
       </p:sp>
@@ -4211,7 +4453,7 @@
           <p:cNvPr id="5" name="图片 4">
             <a:extLst>
               <a:ext uri="{FF2B5EF4-FFF2-40B4-BE49-F238E27FC236}">
-                <a16:creationId xmlns:a16="http://schemas.microsoft.com/office/drawing/2014/main" id="{C91B60E0-90C7-5AC6-CBC0-4D986BDD01AD}"/>
+                <a16:creationId xmlns:a16="http://schemas.microsoft.com/office/drawing/2014/main" id="{398DA4F0-9652-1674-6B73-9F70A5A0BDDE}"/>
               </a:ext>
             </a:extLst>
           </p:cNvPr>
@@ -4228,8 +4470,8 @@
         </p:blipFill>
         <p:spPr>
           <a:xfrm>
-            <a:off x="5759423" y="2524713"/>
-            <a:ext cx="5782482" cy="2953162"/>
+            <a:off x="1814205" y="1301017"/>
+            <a:ext cx="4410691" cy="5249008"/>
           </a:xfrm>
           <a:prstGeom prst="rect">
             <a:avLst/>
@@ -4241,7 +4483,7 @@
           <p:cNvPr id="7" name="图片 6">
             <a:extLst>
               <a:ext uri="{FF2B5EF4-FFF2-40B4-BE49-F238E27FC236}">
-                <a16:creationId xmlns:a16="http://schemas.microsoft.com/office/drawing/2014/main" id="{86E0EA15-E9CF-B7E9-F43F-1B87DC34A68E}"/>
+                <a16:creationId xmlns:a16="http://schemas.microsoft.com/office/drawing/2014/main" id="{D3410401-7382-4C8E-8AF3-201D556AB598}"/>
               </a:ext>
             </a:extLst>
           </p:cNvPr>
@@ -4258,154 +4500,14 @@
         </p:blipFill>
         <p:spPr>
           <a:xfrm>
-            <a:off x="415152" y="2123807"/>
-            <a:ext cx="5344271" cy="1724266"/>
+            <a:off x="6695460" y="1301017"/>
+            <a:ext cx="2863185" cy="4807634"/>
           </a:xfrm>
           <a:prstGeom prst="rect">
             <a:avLst/>
           </a:prstGeom>
         </p:spPr>
       </p:pic>
-      <p:pic>
-        <p:nvPicPr>
-          <p:cNvPr id="9" name="图片 8">
-            <a:extLst>
-              <a:ext uri="{FF2B5EF4-FFF2-40B4-BE49-F238E27FC236}">
-                <a16:creationId xmlns:a16="http://schemas.microsoft.com/office/drawing/2014/main" id="{97E4C990-7C90-98DC-9EE4-DA46A3064621}"/>
-              </a:ext>
-            </a:extLst>
-          </p:cNvPr>
-          <p:cNvPicPr>
-            <a:picLocks noChangeAspect="1"/>
-          </p:cNvPicPr>
-          <p:nvPr/>
-        </p:nvPicPr>
-        <p:blipFill>
-          <a:blip r:embed="rId4"/>
-          <a:stretch>
-            <a:fillRect/>
-          </a:stretch>
-        </p:blipFill>
-        <p:spPr>
-          <a:xfrm>
-            <a:off x="415152" y="3916969"/>
-            <a:ext cx="5449060" cy="2067213"/>
-          </a:xfrm>
-          <a:prstGeom prst="rect">
-            <a:avLst/>
-          </a:prstGeom>
-        </p:spPr>
-      </p:pic>
-      <p:pic>
-        <p:nvPicPr>
-          <p:cNvPr id="11" name="图片 10">
-            <a:extLst>
-              <a:ext uri="{FF2B5EF4-FFF2-40B4-BE49-F238E27FC236}">
-                <a16:creationId xmlns:a16="http://schemas.microsoft.com/office/drawing/2014/main" id="{B300BD1F-C194-7345-59E0-F2B4150B7109}"/>
-              </a:ext>
-            </a:extLst>
-          </p:cNvPr>
-          <p:cNvPicPr>
-            <a:picLocks noChangeAspect="1"/>
-          </p:cNvPicPr>
-          <p:nvPr/>
-        </p:nvPicPr>
-        <p:blipFill>
-          <a:blip r:embed="rId5"/>
-          <a:stretch>
-            <a:fillRect/>
-          </a:stretch>
-        </p:blipFill>
-        <p:spPr>
-          <a:xfrm>
-            <a:off x="4179560" y="4902238"/>
-            <a:ext cx="7754432" cy="1657581"/>
-          </a:xfrm>
-          <a:prstGeom prst="rect">
-            <a:avLst/>
-          </a:prstGeom>
-        </p:spPr>
-      </p:pic>
-    </p:spTree>
-    <p:extLst>
-      <p:ext uri="{BB962C8B-B14F-4D97-AF65-F5344CB8AC3E}">
-        <p14:creationId xmlns:p14="http://schemas.microsoft.com/office/powerpoint/2010/main" val="251871419"/>
-      </p:ext>
-    </p:extLst>
-  </p:cSld>
-  <p:clrMapOvr>
-    <a:masterClrMapping/>
-  </p:clrMapOvr>
-</p:sld>
-</file>
-
-<file path=ppt/slides/slide8.xml><?xml version="1.0" encoding="utf-8"?>
-<p:sld xmlns:a="http://schemas.openxmlformats.org/drawingml/2006/main" xmlns:r="http://schemas.openxmlformats.org/officeDocument/2006/relationships" xmlns:p="http://schemas.openxmlformats.org/presentationml/2006/main">
-  <p:cSld>
-    <p:spTree>
-      <p:nvGrpSpPr>
-        <p:cNvPr id="1" name=""/>
-        <p:cNvGrpSpPr/>
-        <p:nvPr/>
-      </p:nvGrpSpPr>
-      <p:grpSpPr>
-        <a:xfrm>
-          <a:off x="0" y="0"/>
-          <a:ext cx="0" cy="0"/>
-          <a:chOff x="0" y="0"/>
-          <a:chExt cx="0" cy="0"/>
-        </a:xfrm>
-      </p:grpSpPr>
-      <p:sp>
-        <p:nvSpPr>
-          <p:cNvPr id="2" name="标题 1">
-            <a:extLst>
-              <a:ext uri="{FF2B5EF4-FFF2-40B4-BE49-F238E27FC236}">
-                <a16:creationId xmlns:a16="http://schemas.microsoft.com/office/drawing/2014/main" id="{41E95127-82B6-0352-7B72-745D5F54D124}"/>
-              </a:ext>
-            </a:extLst>
-          </p:cNvPr>
-          <p:cNvSpPr>
-            <a:spLocks noGrp="1"/>
-          </p:cNvSpPr>
-          <p:nvPr>
-            <p:ph type="title"/>
-          </p:nvPr>
-        </p:nvSpPr>
-        <p:spPr/>
-        <p:txBody>
-          <a:bodyPr/>
-          <a:lstStyle/>
-          <a:p>
-            <a:endParaRPr lang="zh-CN" altLang="en-US"/>
-          </a:p>
-        </p:txBody>
-      </p:sp>
-      <p:sp>
-        <p:nvSpPr>
-          <p:cNvPr id="3" name="内容占位符 2">
-            <a:extLst>
-              <a:ext uri="{FF2B5EF4-FFF2-40B4-BE49-F238E27FC236}">
-                <a16:creationId xmlns:a16="http://schemas.microsoft.com/office/drawing/2014/main" id="{9E977AF8-B64C-3B55-8068-BB69E8F1A989}"/>
-              </a:ext>
-            </a:extLst>
-          </p:cNvPr>
-          <p:cNvSpPr>
-            <a:spLocks noGrp="1"/>
-          </p:cNvSpPr>
-          <p:nvPr>
-            <p:ph idx="1"/>
-          </p:nvPr>
-        </p:nvSpPr>
-        <p:spPr/>
-        <p:txBody>
-          <a:bodyPr/>
-          <a:lstStyle/>
-          <a:p>
-            <a:endParaRPr lang="zh-CN" altLang="en-US"/>
-          </a:p>
-        </p:txBody>
-      </p:sp>
     </p:spTree>
     <p:extLst>
       <p:ext uri="{BB962C8B-B14F-4D97-AF65-F5344CB8AC3E}">
